--- a/P3-fairness2.pptx
+++ b/P3-fairness2.pptx
@@ -42,18 +42,11 @@
   <p:notesSz cx="6858000" cy="9144000"/>
   <p:embeddedFontLst>
     <p:embeddedFont>
-      <p:font typeface="Calibri" panose="020F0502020204030204" pitchFamily="34" charset="0"/>
+      <p:font typeface="charter" panose="02040503050506020203" pitchFamily="18" charset="0"/>
       <p:regular r:id="rId32"/>
       <p:bold r:id="rId33"/>
       <p:italic r:id="rId34"/>
       <p:boldItalic r:id="rId35"/>
-    </p:embeddedFont>
-    <p:embeddedFont>
-      <p:font typeface="charter" panose="02040503050506020203" pitchFamily="18" charset="0"/>
-      <p:regular r:id="rId36"/>
-      <p:bold r:id="rId37"/>
-      <p:italic r:id="rId38"/>
-      <p:boldItalic r:id="rId39"/>
     </p:embeddedFont>
   </p:embeddedFontLst>
   <p:defaultTextStyle>
@@ -290,7 +283,7 @@
       <p15:sldGuideLst xmlns:p15="http://schemas.microsoft.com/office/powerpoint/2012/main"/>
     </p:ext>
     <p:ext uri="http://customooxmlschemas.google.com/">
-      <go:slidesCustomData xmlns:go="http://customooxmlschemas.google.com/" xmlns:ahyp="http://schemas.microsoft.com/office/drawing/2018/hyperlinkcolor" xmlns:p15="http://schemas.microsoft.com/office/powerpoint/2012/main" xmlns:p14="http://schemas.microsoft.com/office/powerpoint/2010/main" xmlns:com="http://schemas.openxmlformats.org/drawingml/2006/compatibility" xmlns:pvml="urn:schemas-microsoft-com:office:powerpoint" xmlns:v="urn:schemas-microsoft-com:vml" xmlns:o="urn:schemas-microsoft-com:office:office" xmlns:dgm="http://schemas.openxmlformats.org/drawingml/2006/diagram" xmlns:c="http://schemas.openxmlformats.org/drawingml/2006/chart" xmlns:mv="urn:schemas-microsoft-com:mac:vml" xmlns:mc="http://schemas.openxmlformats.org/markup-compatibility/2006" xmlns="" r:id="rId40" roundtripDataSignature="AMtx7mhgZCf10aQ56y2vyPezsfpLDudPYA=="/>
+      <go:slidesCustomData xmlns="" xmlns:mc="http://schemas.openxmlformats.org/markup-compatibility/2006" xmlns:mv="urn:schemas-microsoft-com:mac:vml" xmlns:c="http://schemas.openxmlformats.org/drawingml/2006/chart" xmlns:dgm="http://schemas.openxmlformats.org/drawingml/2006/diagram" xmlns:o="urn:schemas-microsoft-com:office:office" xmlns:v="urn:schemas-microsoft-com:vml" xmlns:pvml="urn:schemas-microsoft-com:office:powerpoint" xmlns:com="http://schemas.openxmlformats.org/drawingml/2006/compatibility" xmlns:p14="http://schemas.microsoft.com/office/powerpoint/2010/main" xmlns:p15="http://schemas.microsoft.com/office/powerpoint/2012/main" xmlns:ahyp="http://schemas.microsoft.com/office/drawing/2018/hyperlinkcolor" xmlns:go="http://customooxmlschemas.google.com/" r:id="rId40" roundtripDataSignature="AMtx7mhgZCf10aQ56y2vyPezsfpLDudPYA=="/>
     </p:ext>
   </p:extLst>
 </p:presentation>
@@ -13606,7 +13599,7 @@
             </a:r>
             <a:r>
               <a:rPr lang="es-ES" sz="2400" dirty="0"/>
-              <a:t>: 4 of 6 </a:t>
+              <a:t>: 3 of 6 </a:t>
             </a:r>
             <a:r>
               <a:rPr lang="es-ES" sz="2400" dirty="0" err="1"/>
@@ -13688,7 +13681,15 @@
             </a:r>
             <a:r>
               <a:rPr lang="es-ES" sz="2400" strike="sngStrike" dirty="0"/>
-              <a:t> Module 1 (40% - Individual): 10/02/2023 at 23:59</a:t>
+              <a:t> Module 1 (40% - Individual</a:t>
+            </a:r>
+            <a:r>
+              <a:rPr lang="es-ES" sz="2400" strike="sngStrike"/>
+              <a:t>): 12/02/2024 </a:t>
+            </a:r>
+            <a:r>
+              <a:rPr lang="es-ES" sz="2400" strike="sngStrike" dirty="0"/>
+              <a:t>at 23:59</a:t>
             </a:r>
           </a:p>
           <a:p>
@@ -13705,7 +13706,7 @@
             </a:r>
             <a:r>
               <a:rPr lang="es-ES" sz="2400" strike="sngStrike" dirty="0"/>
-              <a:t> Module 2 (20% - Individual): 22/02/2023 at 23:59</a:t>
+              <a:t> Module 2 (20% - Individual): 26/02/2024 at 23:59</a:t>
             </a:r>
           </a:p>
           <a:p>
@@ -13730,7 +13731,7 @@
             </a:r>
             <a:r>
               <a:rPr lang="es-ES" sz="2400" dirty="0"/>
-              <a:t>): 17/03/2023 at 23:59</a:t>
+              <a:t>): 22/03/2024 at 23:59</a:t>
             </a:r>
           </a:p>
         </p:txBody>
